--- a/Apresentação1.pptx
+++ b/Apresentação1.pptx
@@ -5,7 +5,7 @@
     <p:sldMasterId id="2147483695" r:id="rId1"/>
   </p:sldMasterIdLst>
   <p:notesMasterIdLst>
-    <p:notesMasterId r:id="rId21"/>
+    <p:notesMasterId r:id="rId22"/>
   </p:notesMasterIdLst>
   <p:sldIdLst>
     <p:sldId id="256" r:id="rId2"/>
@@ -26,7 +26,8 @@
     <p:sldId id="272" r:id="rId17"/>
     <p:sldId id="273" r:id="rId18"/>
     <p:sldId id="274" r:id="rId19"/>
-    <p:sldId id="266" r:id="rId20"/>
+    <p:sldId id="275" r:id="rId20"/>
+    <p:sldId id="266" r:id="rId21"/>
   </p:sldIdLst>
   <p:sldSz cx="12192000" cy="6858000"/>
   <p:notesSz cx="6858000" cy="9144000"/>
@@ -715,7 +716,7 @@
           <a:p>
             <a:fld id="{C8C4CEC2-DD15-4EF5-A79E-C6A871B69AC9}" type="slidenum">
               <a:rPr lang="pt-BR" smtClean="0"/>
-              <a:t>19</a:t>
+              <a:t>20</a:t>
             </a:fld>
             <a:endParaRPr lang="pt-BR"/>
           </a:p>
@@ -7927,7 +7928,7 @@
           <p:cNvPr id="2" name="Título 1">
             <a:extLst>
               <a:ext uri="{FF2B5EF4-FFF2-40B4-BE49-F238E27FC236}">
-                <a16:creationId xmlns:a16="http://schemas.microsoft.com/office/drawing/2014/main" id="{7FD0FC87-3AD6-411B-BC5D-6C335245CC8C}"/>
+                <a16:creationId xmlns:a16="http://schemas.microsoft.com/office/drawing/2014/main" id="{D30C977F-ECA6-4FD1-A8A0-D8209F35D388}"/>
               </a:ext>
             </a:extLst>
           </p:cNvPr>
@@ -7944,343 +7945,91 @@
           <a:lstStyle/>
           <a:p>
             <a:r>
-              <a:rPr lang="en-US" dirty="0"/>
-              <a:t>References</a:t>
-            </a:r>
-          </a:p>
-        </p:txBody>
-      </p:sp>
-      <p:sp>
-        <p:nvSpPr>
-          <p:cNvPr id="3" name="Espaço Reservado para Conteúdo 2">
+              <a:rPr lang="pt-BR" dirty="0"/>
+              <a:t>Points </a:t>
+            </a:r>
+            <a:r>
+              <a:rPr lang="pt-BR" dirty="0" err="1"/>
+              <a:t>to</a:t>
+            </a:r>
+            <a:r>
+              <a:rPr lang="pt-BR" dirty="0"/>
+              <a:t> </a:t>
+            </a:r>
+            <a:r>
+              <a:rPr lang="pt-BR" dirty="0" err="1"/>
+              <a:t>earn</a:t>
+            </a:r>
+            <a:r>
+              <a:rPr lang="pt-BR" dirty="0"/>
+              <a:t>:</a:t>
+            </a:r>
+          </a:p>
+        </p:txBody>
+      </p:sp>
+      <p:sp>
+        <p:nvSpPr>
+          <p:cNvPr id="9" name="CaixaDeTexto 8">
             <a:extLst>
               <a:ext uri="{FF2B5EF4-FFF2-40B4-BE49-F238E27FC236}">
-                <a16:creationId xmlns:a16="http://schemas.microsoft.com/office/drawing/2014/main" id="{39F2DD1D-23C2-42D0-86FB-F7A45D5AA640}"/>
+                <a16:creationId xmlns:a16="http://schemas.microsoft.com/office/drawing/2014/main" id="{13EB8DD9-42C0-4A8B-AEF3-57586FB60EF5}"/>
               </a:ext>
             </a:extLst>
           </p:cNvPr>
-          <p:cNvSpPr>
-            <a:spLocks noGrp="1"/>
-          </p:cNvSpPr>
-          <p:nvPr>
-            <p:ph idx="1"/>
-          </p:nvPr>
+          <p:cNvSpPr txBox="1"/>
+          <p:nvPr/>
         </p:nvSpPr>
         <p:spPr>
           <a:xfrm>
-            <a:off x="492369" y="1505244"/>
-            <a:ext cx="11274515" cy="5176910"/>
+            <a:off x="253218" y="1603716"/>
+            <a:ext cx="11521439" cy="954107"/>
           </a:xfrm>
+          <a:prstGeom prst="rect">
+            <a:avLst/>
+          </a:prstGeom>
           <a:solidFill>
             <a:schemeClr val="bg1"/>
           </a:solidFill>
         </p:spPr>
         <p:txBody>
-          <a:bodyPr>
-            <a:normAutofit fontScale="92500" lnSpcReduction="10000"/>
+          <a:bodyPr wrap="square" rtlCol="0">
+            <a:spAutoFit/>
           </a:bodyPr>
           <a:lstStyle/>
           <a:p>
-            <a:pPr marL="0" indent="0" algn="just">
-              <a:buNone/>
-            </a:pPr>
-            <a:r>
-              <a:rPr lang="pt-BR" sz="2200" dirty="0"/>
-              <a:t>[1] R. k. </a:t>
-            </a:r>
-            <a:r>
-              <a:rPr lang="pt-BR" sz="2200" dirty="0" err="1"/>
-              <a:t>Kuri</a:t>
-            </a:r>
-            <a:r>
-              <a:rPr lang="pt-BR" sz="2200" dirty="0"/>
-              <a:t>, D. </a:t>
-            </a:r>
-            <a:r>
-              <a:rPr lang="pt-BR" sz="2200" dirty="0" err="1"/>
-              <a:t>Paliwal</a:t>
-            </a:r>
-            <a:r>
-              <a:rPr lang="pt-BR" sz="2200" dirty="0"/>
-              <a:t> </a:t>
-            </a:r>
-            <a:r>
-              <a:rPr lang="pt-BR" sz="2200" dirty="0" err="1"/>
-              <a:t>and</a:t>
-            </a:r>
-            <a:r>
-              <a:rPr lang="pt-BR" sz="2200" dirty="0"/>
-              <a:t> D. K. </a:t>
-            </a:r>
-            <a:r>
-              <a:rPr lang="pt-BR" sz="2200" dirty="0" err="1"/>
-              <a:t>Sambariya</a:t>
-            </a:r>
-            <a:r>
-              <a:rPr lang="pt-BR" sz="2200" dirty="0"/>
-              <a:t>, "Grey Wolf </a:t>
-            </a:r>
-            <a:r>
-              <a:rPr lang="pt-BR" sz="2200" dirty="0" err="1"/>
-              <a:t>Optimization</a:t>
-            </a:r>
-            <a:r>
-              <a:rPr lang="pt-BR" sz="2200" dirty="0"/>
-              <a:t> </a:t>
-            </a:r>
-            <a:r>
-              <a:rPr lang="pt-BR" sz="2200" dirty="0" err="1"/>
-              <a:t>Algorithm</a:t>
-            </a:r>
-            <a:r>
-              <a:rPr lang="pt-BR" sz="2200" dirty="0"/>
-              <a:t> </a:t>
-            </a:r>
-            <a:r>
-              <a:rPr lang="pt-BR" sz="2200" dirty="0" err="1"/>
-              <a:t>based</a:t>
-            </a:r>
-            <a:r>
-              <a:rPr lang="pt-BR" sz="2200" dirty="0"/>
-              <a:t> PID </a:t>
-            </a:r>
-            <a:r>
-              <a:rPr lang="pt-BR" sz="2200" dirty="0" err="1"/>
-              <a:t>controller</a:t>
-            </a:r>
-            <a:r>
-              <a:rPr lang="pt-BR" sz="2200" dirty="0"/>
-              <a:t> design for AVR Power system," 2019 2nd </a:t>
-            </a:r>
-            <a:r>
-              <a:rPr lang="pt-BR" sz="2200" dirty="0" err="1"/>
-              <a:t>International</a:t>
-            </a:r>
-            <a:r>
-              <a:rPr lang="pt-BR" sz="2200" dirty="0"/>
-              <a:t> </a:t>
-            </a:r>
-            <a:r>
-              <a:rPr lang="pt-BR" sz="2200" dirty="0" err="1"/>
-              <a:t>Conference</a:t>
-            </a:r>
-            <a:r>
-              <a:rPr lang="pt-BR" sz="2200" dirty="0"/>
-              <a:t> </a:t>
-            </a:r>
-            <a:r>
-              <a:rPr lang="pt-BR" sz="2200" dirty="0" err="1"/>
-              <a:t>on</a:t>
-            </a:r>
-            <a:r>
-              <a:rPr lang="pt-BR" sz="2200" dirty="0"/>
-              <a:t> Power Energy, </a:t>
-            </a:r>
-            <a:r>
-              <a:rPr lang="pt-BR" sz="2200" dirty="0" err="1"/>
-              <a:t>Environment</a:t>
-            </a:r>
-            <a:r>
-              <a:rPr lang="pt-BR" sz="2200" dirty="0"/>
-              <a:t> </a:t>
-            </a:r>
-            <a:r>
-              <a:rPr lang="pt-BR" sz="2200" dirty="0" err="1"/>
-              <a:t>and</a:t>
-            </a:r>
-            <a:r>
-              <a:rPr lang="pt-BR" sz="2200" dirty="0"/>
-              <a:t> </a:t>
-            </a:r>
-            <a:r>
-              <a:rPr lang="pt-BR" sz="2200" dirty="0" err="1"/>
-              <a:t>Intelligent</a:t>
-            </a:r>
-            <a:r>
-              <a:rPr lang="pt-BR" sz="2200" dirty="0"/>
-              <a:t> </a:t>
-            </a:r>
-            <a:r>
-              <a:rPr lang="pt-BR" sz="2200" dirty="0" err="1"/>
-              <a:t>Control</a:t>
-            </a:r>
-            <a:r>
-              <a:rPr lang="pt-BR" sz="2200" dirty="0"/>
-              <a:t> (PEEIC), 2019, pp. 233-237.</a:t>
-            </a:r>
-          </a:p>
-          <a:p>
-            <a:pPr marL="0" indent="0" algn="just">
-              <a:buNone/>
-            </a:pPr>
-            <a:r>
-              <a:rPr lang="pt-BR" sz="2200" dirty="0"/>
-              <a:t>[2] </a:t>
-            </a:r>
-            <a:r>
-              <a:rPr lang="pt-BR" sz="2200" dirty="0" err="1"/>
-              <a:t>Mirjalili</a:t>
-            </a:r>
-            <a:r>
-              <a:rPr lang="pt-BR" sz="2200" dirty="0"/>
-              <a:t>, S., </a:t>
-            </a:r>
-            <a:r>
-              <a:rPr lang="pt-BR" sz="2200" dirty="0" err="1"/>
-              <a:t>Mirjalili</a:t>
-            </a:r>
-            <a:r>
-              <a:rPr lang="pt-BR" sz="2200" dirty="0"/>
-              <a:t>, S.M., </a:t>
-            </a:r>
-            <a:r>
-              <a:rPr lang="pt-BR" sz="2200" dirty="0" err="1"/>
-              <a:t>and</a:t>
-            </a:r>
-            <a:r>
-              <a:rPr lang="pt-BR" sz="2200" dirty="0"/>
-              <a:t> Lewis, A. (2014). Grey </a:t>
-            </a:r>
-            <a:r>
-              <a:rPr lang="pt-BR" sz="2200" dirty="0" err="1"/>
-              <a:t>wolf</a:t>
-            </a:r>
-            <a:r>
-              <a:rPr lang="pt-BR" sz="2200" dirty="0"/>
-              <a:t> </a:t>
-            </a:r>
-            <a:r>
-              <a:rPr lang="pt-BR" sz="2200" dirty="0" err="1"/>
-              <a:t>optimizer</a:t>
-            </a:r>
-            <a:r>
-              <a:rPr lang="pt-BR" sz="2200" dirty="0"/>
-              <a:t>. </a:t>
-            </a:r>
-            <a:r>
-              <a:rPr lang="pt-BR" sz="2200" dirty="0" err="1"/>
-              <a:t>Advances</a:t>
-            </a:r>
-            <a:r>
-              <a:rPr lang="pt-BR" sz="2200" dirty="0"/>
-              <a:t> in </a:t>
-            </a:r>
-            <a:r>
-              <a:rPr lang="pt-BR" sz="2200" dirty="0" err="1"/>
-              <a:t>Engineering</a:t>
-            </a:r>
-            <a:r>
-              <a:rPr lang="pt-BR" sz="2200" dirty="0"/>
-              <a:t> Software, 69, 44-61.</a:t>
-            </a:r>
-          </a:p>
-          <a:p>
-            <a:pPr marL="0" indent="0" algn="just">
-              <a:buNone/>
-            </a:pPr>
-            <a:r>
-              <a:rPr lang="pt-BR" sz="2200" dirty="0"/>
-              <a:t>[3] </a:t>
-            </a:r>
-            <a:r>
-              <a:rPr lang="en-US" sz="2200" dirty="0"/>
-              <a:t>Wang, GG., Deb, S. &amp; Cui, Z. Monarch butterfly optimization. Neural </a:t>
-            </a:r>
-            <a:r>
-              <a:rPr lang="en-US" sz="2200" dirty="0" err="1"/>
-              <a:t>Comput</a:t>
-            </a:r>
-            <a:r>
-              <a:rPr lang="en-US" sz="2200" dirty="0"/>
-              <a:t> &amp; </a:t>
-            </a:r>
-            <a:r>
-              <a:rPr lang="en-US" sz="2200" dirty="0" err="1"/>
-              <a:t>Applic</a:t>
-            </a:r>
-            <a:r>
-              <a:rPr lang="en-US" sz="2200" dirty="0"/>
-              <a:t> 31, 1995–2014 (2019).</a:t>
-            </a:r>
-          </a:p>
-          <a:p>
-            <a:pPr marL="0" indent="0" algn="just">
-              <a:buNone/>
-            </a:pPr>
-            <a:r>
-              <a:rPr lang="en-US" sz="2200" dirty="0"/>
-              <a:t>[4] H. </a:t>
-            </a:r>
-            <a:r>
-              <a:rPr lang="en-US" sz="2200" dirty="0" err="1"/>
-              <a:t>Eskandar</a:t>
-            </a:r>
-            <a:r>
-              <a:rPr lang="en-US" sz="2200" dirty="0"/>
-              <a:t>, A. </a:t>
-            </a:r>
-            <a:r>
-              <a:rPr lang="en-US" sz="2200" dirty="0" err="1"/>
-              <a:t>Sadollah</a:t>
-            </a:r>
-            <a:r>
-              <a:rPr lang="en-US" sz="2200" dirty="0"/>
-              <a:t>, A. </a:t>
-            </a:r>
-            <a:r>
-              <a:rPr lang="en-US" sz="2200" dirty="0" err="1"/>
-              <a:t>Bahreininejad</a:t>
-            </a:r>
-            <a:r>
-              <a:rPr lang="en-US" sz="2200" dirty="0"/>
-              <a:t>, M. Hamdi, Water cycle algorithm – A novel metaheuristic optimization method for solving constrained engineering optimization problems, Computers &amp; Structures, 111, 2012, pp. 151-166.</a:t>
-            </a:r>
-          </a:p>
-          <a:p>
-            <a:pPr marL="0" indent="0" algn="just">
-              <a:buNone/>
-            </a:pPr>
-            <a:r>
-              <a:rPr lang="en-US" sz="2200" dirty="0"/>
-              <a:t>[5] Dhiman, G., Garg, M., A., Kumar, V., and </a:t>
-            </a:r>
-            <a:r>
-              <a:rPr lang="en-US" sz="2200" dirty="0" err="1"/>
-              <a:t>Dehghani</a:t>
-            </a:r>
-            <a:r>
-              <a:rPr lang="en-US" sz="2200" dirty="0"/>
-              <a:t>, M. (2020). A novel algorithm for global optimization: Rat swarm optimizer. Journal of Ambient Intelligence and Humanized Computing, 1-26.</a:t>
-            </a:r>
-          </a:p>
-          <a:p>
-            <a:pPr marL="0" indent="0" algn="just">
-              <a:buNone/>
-            </a:pPr>
-            <a:r>
-              <a:rPr lang="en-US" sz="2200" dirty="0"/>
-              <a:t>[6] D. Chen, G. Zhang and C. Yao, "PSO algorithm based PID parameters optimization of hydraulic </a:t>
-            </a:r>
-            <a:r>
-              <a:rPr lang="en-US" sz="2200" dirty="0" err="1"/>
-              <a:t>screwdown</a:t>
-            </a:r>
-            <a:r>
-              <a:rPr lang="en-US" sz="2200" dirty="0"/>
-              <a:t> system of cold strip mill," Proceedings of 2011 International Conference on Fluid Power and Mechatronics, 2011, pp. 113-116</a:t>
-            </a:r>
-            <a:r>
-              <a:rPr lang="pt-BR" sz="2200" dirty="0"/>
-              <a:t>.</a:t>
-            </a:r>
-            <a:endParaRPr lang="en-US" sz="2200" dirty="0"/>
+            <a:r>
+              <a:rPr lang="pt-BR" sz="2800" b="1" dirty="0"/>
+              <a:t>The </a:t>
+            </a:r>
+            <a:r>
+              <a:rPr lang="pt-BR" sz="2800" b="1" dirty="0" err="1"/>
+              <a:t>codes</a:t>
+            </a:r>
+            <a:r>
+              <a:rPr lang="pt-BR" sz="2800" b="1" dirty="0"/>
+              <a:t> are </a:t>
+            </a:r>
+            <a:r>
+              <a:rPr lang="pt-BR" sz="2800" b="1" dirty="0" err="1"/>
+              <a:t>available</a:t>
+            </a:r>
+            <a:r>
+              <a:rPr lang="pt-BR" sz="2800" b="1" dirty="0"/>
+              <a:t> in:</a:t>
+            </a:r>
+          </a:p>
+          <a:p>
+            <a:r>
+              <a:rPr lang="pt-BR" sz="2800" dirty="0"/>
+              <a:t>https://github.com/allanckferrari87/Trabalho-1-Intelligent-Control-</a:t>
+            </a:r>
           </a:p>
         </p:txBody>
       </p:sp>
     </p:spTree>
     <p:extLst>
       <p:ext uri="{BB962C8B-B14F-4D97-AF65-F5344CB8AC3E}">
-        <p14:creationId xmlns:p14="http://schemas.microsoft.com/office/powerpoint/2010/main" val="1762565930"/>
+        <p14:creationId xmlns:p14="http://schemas.microsoft.com/office/powerpoint/2010/main" val="71938040"/>
       </p:ext>
     </p:extLst>
   </p:cSld>
@@ -8421,6 +8170,391 @@
     <p:extLst>
       <p:ext uri="{BB962C8B-B14F-4D97-AF65-F5344CB8AC3E}">
         <p14:creationId xmlns:p14="http://schemas.microsoft.com/office/powerpoint/2010/main" val="1643190088"/>
+      </p:ext>
+    </p:extLst>
+  </p:cSld>
+  <p:clrMapOvr>
+    <a:masterClrMapping/>
+  </p:clrMapOvr>
+</p:sld>
+</file>
+
+<file path=ppt/slides/slide20.xml><?xml version="1.0" encoding="utf-8"?>
+<p:sld xmlns:a="http://schemas.openxmlformats.org/drawingml/2006/main" xmlns:r="http://schemas.openxmlformats.org/officeDocument/2006/relationships" xmlns:p="http://schemas.openxmlformats.org/presentationml/2006/main">
+  <p:cSld>
+    <p:spTree>
+      <p:nvGrpSpPr>
+        <p:cNvPr id="1" name=""/>
+        <p:cNvGrpSpPr/>
+        <p:nvPr/>
+      </p:nvGrpSpPr>
+      <p:grpSpPr>
+        <a:xfrm>
+          <a:off x="0" y="0"/>
+          <a:ext cx="0" cy="0"/>
+          <a:chOff x="0" y="0"/>
+          <a:chExt cx="0" cy="0"/>
+        </a:xfrm>
+      </p:grpSpPr>
+      <p:sp>
+        <p:nvSpPr>
+          <p:cNvPr id="2" name="Título 1">
+            <a:extLst>
+              <a:ext uri="{FF2B5EF4-FFF2-40B4-BE49-F238E27FC236}">
+                <a16:creationId xmlns:a16="http://schemas.microsoft.com/office/drawing/2014/main" id="{7FD0FC87-3AD6-411B-BC5D-6C335245CC8C}"/>
+              </a:ext>
+            </a:extLst>
+          </p:cNvPr>
+          <p:cNvSpPr>
+            <a:spLocks noGrp="1"/>
+          </p:cNvSpPr>
+          <p:nvPr>
+            <p:ph type="title"/>
+          </p:nvPr>
+        </p:nvSpPr>
+        <p:spPr/>
+        <p:txBody>
+          <a:bodyPr/>
+          <a:lstStyle/>
+          <a:p>
+            <a:r>
+              <a:rPr lang="en-US" dirty="0"/>
+              <a:t>References</a:t>
+            </a:r>
+          </a:p>
+        </p:txBody>
+      </p:sp>
+      <p:sp>
+        <p:nvSpPr>
+          <p:cNvPr id="3" name="Espaço Reservado para Conteúdo 2">
+            <a:extLst>
+              <a:ext uri="{FF2B5EF4-FFF2-40B4-BE49-F238E27FC236}">
+                <a16:creationId xmlns:a16="http://schemas.microsoft.com/office/drawing/2014/main" id="{39F2DD1D-23C2-42D0-86FB-F7A45D5AA640}"/>
+              </a:ext>
+            </a:extLst>
+          </p:cNvPr>
+          <p:cNvSpPr>
+            <a:spLocks noGrp="1"/>
+          </p:cNvSpPr>
+          <p:nvPr>
+            <p:ph idx="1"/>
+          </p:nvPr>
+        </p:nvSpPr>
+        <p:spPr>
+          <a:xfrm>
+            <a:off x="492369" y="1505244"/>
+            <a:ext cx="11274515" cy="5176910"/>
+          </a:xfrm>
+          <a:solidFill>
+            <a:schemeClr val="bg1"/>
+          </a:solidFill>
+        </p:spPr>
+        <p:txBody>
+          <a:bodyPr>
+            <a:normAutofit fontScale="92500" lnSpcReduction="10000"/>
+          </a:bodyPr>
+          <a:lstStyle/>
+          <a:p>
+            <a:pPr marL="0" indent="0" algn="just">
+              <a:buNone/>
+            </a:pPr>
+            <a:r>
+              <a:rPr lang="pt-BR" sz="2200" dirty="0"/>
+              <a:t>[1] R. k. </a:t>
+            </a:r>
+            <a:r>
+              <a:rPr lang="pt-BR" sz="2200" dirty="0" err="1"/>
+              <a:t>Kuri</a:t>
+            </a:r>
+            <a:r>
+              <a:rPr lang="pt-BR" sz="2200" dirty="0"/>
+              <a:t>, D. </a:t>
+            </a:r>
+            <a:r>
+              <a:rPr lang="pt-BR" sz="2200" dirty="0" err="1"/>
+              <a:t>Paliwal</a:t>
+            </a:r>
+            <a:r>
+              <a:rPr lang="pt-BR" sz="2200" dirty="0"/>
+              <a:t> </a:t>
+            </a:r>
+            <a:r>
+              <a:rPr lang="pt-BR" sz="2200" dirty="0" err="1"/>
+              <a:t>and</a:t>
+            </a:r>
+            <a:r>
+              <a:rPr lang="pt-BR" sz="2200" dirty="0"/>
+              <a:t> D. K. </a:t>
+            </a:r>
+            <a:r>
+              <a:rPr lang="pt-BR" sz="2200" dirty="0" err="1"/>
+              <a:t>Sambariya</a:t>
+            </a:r>
+            <a:r>
+              <a:rPr lang="pt-BR" sz="2200" dirty="0"/>
+              <a:t>, "Grey Wolf </a:t>
+            </a:r>
+            <a:r>
+              <a:rPr lang="pt-BR" sz="2200" dirty="0" err="1"/>
+              <a:t>Optimization</a:t>
+            </a:r>
+            <a:r>
+              <a:rPr lang="pt-BR" sz="2200" dirty="0"/>
+              <a:t> </a:t>
+            </a:r>
+            <a:r>
+              <a:rPr lang="pt-BR" sz="2200" dirty="0" err="1"/>
+              <a:t>Algorithm</a:t>
+            </a:r>
+            <a:r>
+              <a:rPr lang="pt-BR" sz="2200" dirty="0"/>
+              <a:t> </a:t>
+            </a:r>
+            <a:r>
+              <a:rPr lang="pt-BR" sz="2200" dirty="0" err="1"/>
+              <a:t>based</a:t>
+            </a:r>
+            <a:r>
+              <a:rPr lang="pt-BR" sz="2200" dirty="0"/>
+              <a:t> PID </a:t>
+            </a:r>
+            <a:r>
+              <a:rPr lang="pt-BR" sz="2200" dirty="0" err="1"/>
+              <a:t>controller</a:t>
+            </a:r>
+            <a:r>
+              <a:rPr lang="pt-BR" sz="2200" dirty="0"/>
+              <a:t> design for AVR Power system," 2019 2nd </a:t>
+            </a:r>
+            <a:r>
+              <a:rPr lang="pt-BR" sz="2200" dirty="0" err="1"/>
+              <a:t>International</a:t>
+            </a:r>
+            <a:r>
+              <a:rPr lang="pt-BR" sz="2200" dirty="0"/>
+              <a:t> </a:t>
+            </a:r>
+            <a:r>
+              <a:rPr lang="pt-BR" sz="2200" dirty="0" err="1"/>
+              <a:t>Conference</a:t>
+            </a:r>
+            <a:r>
+              <a:rPr lang="pt-BR" sz="2200" dirty="0"/>
+              <a:t> </a:t>
+            </a:r>
+            <a:r>
+              <a:rPr lang="pt-BR" sz="2200" dirty="0" err="1"/>
+              <a:t>on</a:t>
+            </a:r>
+            <a:r>
+              <a:rPr lang="pt-BR" sz="2200" dirty="0"/>
+              <a:t> Power Energy, </a:t>
+            </a:r>
+            <a:r>
+              <a:rPr lang="pt-BR" sz="2200" dirty="0" err="1"/>
+              <a:t>Environment</a:t>
+            </a:r>
+            <a:r>
+              <a:rPr lang="pt-BR" sz="2200" dirty="0"/>
+              <a:t> </a:t>
+            </a:r>
+            <a:r>
+              <a:rPr lang="pt-BR" sz="2200" dirty="0" err="1"/>
+              <a:t>and</a:t>
+            </a:r>
+            <a:r>
+              <a:rPr lang="pt-BR" sz="2200" dirty="0"/>
+              <a:t> </a:t>
+            </a:r>
+            <a:r>
+              <a:rPr lang="pt-BR" sz="2200" dirty="0" err="1"/>
+              <a:t>Intelligent</a:t>
+            </a:r>
+            <a:r>
+              <a:rPr lang="pt-BR" sz="2200" dirty="0"/>
+              <a:t> </a:t>
+            </a:r>
+            <a:r>
+              <a:rPr lang="pt-BR" sz="2200" dirty="0" err="1"/>
+              <a:t>Control</a:t>
+            </a:r>
+            <a:r>
+              <a:rPr lang="pt-BR" sz="2200" dirty="0"/>
+              <a:t> (PEEIC), 2019, pp. 233-237.</a:t>
+            </a:r>
+          </a:p>
+          <a:p>
+            <a:pPr marL="0" indent="0" algn="just">
+              <a:buNone/>
+            </a:pPr>
+            <a:r>
+              <a:rPr lang="pt-BR" sz="2200" dirty="0"/>
+              <a:t>[2] </a:t>
+            </a:r>
+            <a:r>
+              <a:rPr lang="pt-BR" sz="2200" dirty="0" err="1"/>
+              <a:t>Mirjalili</a:t>
+            </a:r>
+            <a:r>
+              <a:rPr lang="pt-BR" sz="2200" dirty="0"/>
+              <a:t>, S., </a:t>
+            </a:r>
+            <a:r>
+              <a:rPr lang="pt-BR" sz="2200" dirty="0" err="1"/>
+              <a:t>Mirjalili</a:t>
+            </a:r>
+            <a:r>
+              <a:rPr lang="pt-BR" sz="2200" dirty="0"/>
+              <a:t>, S.M., </a:t>
+            </a:r>
+            <a:r>
+              <a:rPr lang="pt-BR" sz="2200" dirty="0" err="1"/>
+              <a:t>and</a:t>
+            </a:r>
+            <a:r>
+              <a:rPr lang="pt-BR" sz="2200" dirty="0"/>
+              <a:t> Lewis, A. (2014). Grey </a:t>
+            </a:r>
+            <a:r>
+              <a:rPr lang="pt-BR" sz="2200" dirty="0" err="1"/>
+              <a:t>wolf</a:t>
+            </a:r>
+            <a:r>
+              <a:rPr lang="pt-BR" sz="2200" dirty="0"/>
+              <a:t> </a:t>
+            </a:r>
+            <a:r>
+              <a:rPr lang="pt-BR" sz="2200" dirty="0" err="1"/>
+              <a:t>optimizer</a:t>
+            </a:r>
+            <a:r>
+              <a:rPr lang="pt-BR" sz="2200" dirty="0"/>
+              <a:t>. </a:t>
+            </a:r>
+            <a:r>
+              <a:rPr lang="pt-BR" sz="2200" dirty="0" err="1"/>
+              <a:t>Advances</a:t>
+            </a:r>
+            <a:r>
+              <a:rPr lang="pt-BR" sz="2200" dirty="0"/>
+              <a:t> in </a:t>
+            </a:r>
+            <a:r>
+              <a:rPr lang="pt-BR" sz="2200" dirty="0" err="1"/>
+              <a:t>Engineering</a:t>
+            </a:r>
+            <a:r>
+              <a:rPr lang="pt-BR" sz="2200" dirty="0"/>
+              <a:t> Software, 69, 44-61.</a:t>
+            </a:r>
+          </a:p>
+          <a:p>
+            <a:pPr marL="0" indent="0" algn="just">
+              <a:buNone/>
+            </a:pPr>
+            <a:r>
+              <a:rPr lang="pt-BR" sz="2200" dirty="0"/>
+              <a:t>[3] </a:t>
+            </a:r>
+            <a:r>
+              <a:rPr lang="en-US" sz="2200" dirty="0"/>
+              <a:t>Wang, GG., Deb, S. &amp; Cui, Z. Monarch butterfly optimization. Neural </a:t>
+            </a:r>
+            <a:r>
+              <a:rPr lang="en-US" sz="2200" dirty="0" err="1"/>
+              <a:t>Comput</a:t>
+            </a:r>
+            <a:r>
+              <a:rPr lang="en-US" sz="2200" dirty="0"/>
+              <a:t> &amp; </a:t>
+            </a:r>
+            <a:r>
+              <a:rPr lang="en-US" sz="2200" dirty="0" err="1"/>
+              <a:t>Applic</a:t>
+            </a:r>
+            <a:r>
+              <a:rPr lang="en-US" sz="2200" dirty="0"/>
+              <a:t> 31, 1995–2014 (2019).</a:t>
+            </a:r>
+          </a:p>
+          <a:p>
+            <a:pPr marL="0" indent="0" algn="just">
+              <a:buNone/>
+            </a:pPr>
+            <a:r>
+              <a:rPr lang="en-US" sz="2200" dirty="0"/>
+              <a:t>[4] H. </a:t>
+            </a:r>
+            <a:r>
+              <a:rPr lang="en-US" sz="2200" dirty="0" err="1"/>
+              <a:t>Eskandar</a:t>
+            </a:r>
+            <a:r>
+              <a:rPr lang="en-US" sz="2200" dirty="0"/>
+              <a:t>, A. </a:t>
+            </a:r>
+            <a:r>
+              <a:rPr lang="en-US" sz="2200" dirty="0" err="1"/>
+              <a:t>Sadollah</a:t>
+            </a:r>
+            <a:r>
+              <a:rPr lang="en-US" sz="2200" dirty="0"/>
+              <a:t>, A. </a:t>
+            </a:r>
+            <a:r>
+              <a:rPr lang="en-US" sz="2200" dirty="0" err="1"/>
+              <a:t>Bahreininejad</a:t>
+            </a:r>
+            <a:r>
+              <a:rPr lang="en-US" sz="2200" dirty="0"/>
+              <a:t>, M. Hamdi, Water cycle algorithm – A novel metaheuristic optimization method for solving constrained engineering optimization problems, Computers &amp; Structures, 111, 2012, pp. 151-166.</a:t>
+            </a:r>
+          </a:p>
+          <a:p>
+            <a:pPr marL="0" indent="0" algn="just">
+              <a:buNone/>
+            </a:pPr>
+            <a:r>
+              <a:rPr lang="en-US" sz="2200" dirty="0"/>
+              <a:t>[5] Dhiman, G., Garg, M., A., Kumar, V., and </a:t>
+            </a:r>
+            <a:r>
+              <a:rPr lang="en-US" sz="2200" dirty="0" err="1"/>
+              <a:t>Dehghani</a:t>
+            </a:r>
+            <a:r>
+              <a:rPr lang="en-US" sz="2200" dirty="0"/>
+              <a:t>, M. (2020). A novel algorithm for global optimization: Rat swarm optimizer. Journal of Ambient Intelligence and Humanized Computing, 1-26.</a:t>
+            </a:r>
+          </a:p>
+          <a:p>
+            <a:pPr marL="0" indent="0" algn="just">
+              <a:buNone/>
+            </a:pPr>
+            <a:r>
+              <a:rPr lang="en-US" sz="2200" dirty="0"/>
+              <a:t>[6] D. Chen, G. Zhang and C. Yao, "PSO algorithm based PID parameters optimization of hydraulic </a:t>
+            </a:r>
+            <a:r>
+              <a:rPr lang="en-US" sz="2200" dirty="0" err="1"/>
+              <a:t>screwdown</a:t>
+            </a:r>
+            <a:r>
+              <a:rPr lang="en-US" sz="2200" dirty="0"/>
+              <a:t> system of cold strip mill," Proceedings of 2011 International Conference on Fluid Power and Mechatronics, 2011, pp. 113-116</a:t>
+            </a:r>
+            <a:r>
+              <a:rPr lang="pt-BR" sz="2200" dirty="0"/>
+              <a:t>.</a:t>
+            </a:r>
+            <a:endParaRPr lang="en-US" sz="2200" dirty="0"/>
+          </a:p>
+        </p:txBody>
+      </p:sp>
+    </p:spTree>
+    <p:extLst>
+      <p:ext uri="{BB962C8B-B14F-4D97-AF65-F5344CB8AC3E}">
+        <p14:creationId xmlns:p14="http://schemas.microsoft.com/office/powerpoint/2010/main" val="1762565930"/>
       </p:ext>
     </p:extLst>
   </p:cSld>
